--- a/Лекция 6.pptx
+++ b/Лекция 6.pptx
@@ -261,7 +261,7 @@
           <a:p>
             <a:fld id="{44DBC884-B382-4302-8488-D4E467EB670D}" type="datetimeFigureOut">
               <a:rPr lang="ru-RU" smtClean="0"/>
-              <a:t>16.11.2020</a:t>
+              <a:t>08.10.2021</a:t>
             </a:fld>
             <a:endParaRPr lang="ru-RU" dirty="0"/>
           </a:p>
@@ -660,7 +660,7 @@
           <a:p>
             <a:fld id="{9F4DF3D0-C105-404D-A43B-7CBA1B97B744}" type="datetimeFigureOut">
               <a:rPr lang="ru-RU" smtClean="0"/>
-              <a:t>16.11.2020</a:t>
+              <a:t>08.10.2021</a:t>
             </a:fld>
             <a:endParaRPr lang="ru-RU" dirty="0"/>
           </a:p>
@@ -830,7 +830,7 @@
           <a:p>
             <a:fld id="{9F4DF3D0-C105-404D-A43B-7CBA1B97B744}" type="datetimeFigureOut">
               <a:rPr lang="ru-RU" smtClean="0"/>
-              <a:t>16.11.2020</a:t>
+              <a:t>08.10.2021</a:t>
             </a:fld>
             <a:endParaRPr lang="ru-RU" dirty="0"/>
           </a:p>
@@ -1010,7 +1010,7 @@
           <a:p>
             <a:fld id="{9F4DF3D0-C105-404D-A43B-7CBA1B97B744}" type="datetimeFigureOut">
               <a:rPr lang="ru-RU" smtClean="0"/>
-              <a:t>16.11.2020</a:t>
+              <a:t>08.10.2021</a:t>
             </a:fld>
             <a:endParaRPr lang="ru-RU" dirty="0"/>
           </a:p>
@@ -1180,7 +1180,7 @@
           <a:p>
             <a:fld id="{9F4DF3D0-C105-404D-A43B-7CBA1B97B744}" type="datetimeFigureOut">
               <a:rPr lang="ru-RU" smtClean="0"/>
-              <a:t>16.11.2020</a:t>
+              <a:t>08.10.2021</a:t>
             </a:fld>
             <a:endParaRPr lang="ru-RU" dirty="0"/>
           </a:p>
@@ -1426,7 +1426,7 @@
           <a:p>
             <a:fld id="{9F4DF3D0-C105-404D-A43B-7CBA1B97B744}" type="datetimeFigureOut">
               <a:rPr lang="ru-RU" smtClean="0"/>
-              <a:t>16.11.2020</a:t>
+              <a:t>08.10.2021</a:t>
             </a:fld>
             <a:endParaRPr lang="ru-RU" dirty="0"/>
           </a:p>
@@ -1658,7 +1658,7 @@
           <a:p>
             <a:fld id="{9F4DF3D0-C105-404D-A43B-7CBA1B97B744}" type="datetimeFigureOut">
               <a:rPr lang="ru-RU" smtClean="0"/>
-              <a:t>16.11.2020</a:t>
+              <a:t>08.10.2021</a:t>
             </a:fld>
             <a:endParaRPr lang="ru-RU" dirty="0"/>
           </a:p>
@@ -2025,7 +2025,7 @@
           <a:p>
             <a:fld id="{9F4DF3D0-C105-404D-A43B-7CBA1B97B744}" type="datetimeFigureOut">
               <a:rPr lang="ru-RU" smtClean="0"/>
-              <a:t>16.11.2020</a:t>
+              <a:t>08.10.2021</a:t>
             </a:fld>
             <a:endParaRPr lang="ru-RU" dirty="0"/>
           </a:p>
@@ -2143,7 +2143,7 @@
           <a:p>
             <a:fld id="{9F4DF3D0-C105-404D-A43B-7CBA1B97B744}" type="datetimeFigureOut">
               <a:rPr lang="ru-RU" smtClean="0"/>
-              <a:t>16.11.2020</a:t>
+              <a:t>08.10.2021</a:t>
             </a:fld>
             <a:endParaRPr lang="ru-RU" dirty="0"/>
           </a:p>
@@ -2238,7 +2238,7 @@
           <a:p>
             <a:fld id="{9F4DF3D0-C105-404D-A43B-7CBA1B97B744}" type="datetimeFigureOut">
               <a:rPr lang="ru-RU" smtClean="0"/>
-              <a:t>16.11.2020</a:t>
+              <a:t>08.10.2021</a:t>
             </a:fld>
             <a:endParaRPr lang="ru-RU" dirty="0"/>
           </a:p>
@@ -2515,7 +2515,7 @@
           <a:p>
             <a:fld id="{9F4DF3D0-C105-404D-A43B-7CBA1B97B744}" type="datetimeFigureOut">
               <a:rPr lang="ru-RU" smtClean="0"/>
-              <a:t>16.11.2020</a:t>
+              <a:t>08.10.2021</a:t>
             </a:fld>
             <a:endParaRPr lang="ru-RU" dirty="0"/>
           </a:p>
@@ -2768,7 +2768,7 @@
           <a:p>
             <a:fld id="{9F4DF3D0-C105-404D-A43B-7CBA1B97B744}" type="datetimeFigureOut">
               <a:rPr lang="ru-RU" smtClean="0"/>
-              <a:t>16.11.2020</a:t>
+              <a:t>08.10.2021</a:t>
             </a:fld>
             <a:endParaRPr lang="ru-RU" dirty="0"/>
           </a:p>
@@ -2981,7 +2981,7 @@
           <a:p>
             <a:fld id="{9F4DF3D0-C105-404D-A43B-7CBA1B97B744}" type="datetimeFigureOut">
               <a:rPr lang="ru-RU" smtClean="0"/>
-              <a:t>16.11.2020</a:t>
+              <a:t>08.10.2021</a:t>
             </a:fld>
             <a:endParaRPr lang="ru-RU" dirty="0"/>
           </a:p>
@@ -3701,6 +3701,13 @@
   <p:clrMapOvr>
     <a:masterClrMapping/>
   </p:clrMapOvr>
+  <p:timing>
+    <p:tnLst>
+      <p:par>
+        <p:cTn id="1" dur="indefinite" restart="never" nodeType="tmRoot"/>
+      </p:par>
+    </p:tnLst>
+  </p:timing>
 </p:sld>
 </file>
 
@@ -4259,6 +4266,13 @@
   <p:clrMapOvr>
     <a:masterClrMapping/>
   </p:clrMapOvr>
+  <p:timing>
+    <p:tnLst>
+      <p:par>
+        <p:cTn id="1" dur="indefinite" restart="never" nodeType="tmRoot"/>
+      </p:par>
+    </p:tnLst>
+  </p:timing>
 </p:sld>
 </file>
 
@@ -4484,6 +4498,13 @@
   <p:clrMapOvr>
     <a:masterClrMapping/>
   </p:clrMapOvr>
+  <p:timing>
+    <p:tnLst>
+      <p:par>
+        <p:cTn id="1" dur="indefinite" restart="never" nodeType="tmRoot"/>
+      </p:par>
+    </p:tnLst>
+  </p:timing>
 </p:sld>
 </file>
 
@@ -4741,6 +4762,13 @@
   <p:clrMapOvr>
     <a:masterClrMapping/>
   </p:clrMapOvr>
+  <p:timing>
+    <p:tnLst>
+      <p:par>
+        <p:cTn id="1" dur="indefinite" restart="never" nodeType="tmRoot"/>
+      </p:par>
+    </p:tnLst>
+  </p:timing>
 </p:sld>
 </file>
 
@@ -6204,6 +6232,13 @@
   <p:clrMapOvr>
     <a:masterClrMapping/>
   </p:clrMapOvr>
+  <p:timing>
+    <p:tnLst>
+      <p:par>
+        <p:cTn id="1" dur="indefinite" restart="never" nodeType="tmRoot"/>
+      </p:par>
+    </p:tnLst>
+  </p:timing>
 </p:sld>
 </file>
 
@@ -6331,6 +6366,13 @@
   <p:clrMapOvr>
     <a:masterClrMapping/>
   </p:clrMapOvr>
+  <p:timing>
+    <p:tnLst>
+      <p:par>
+        <p:cTn id="1" dur="indefinite" restart="never" nodeType="tmRoot"/>
+      </p:par>
+    </p:tnLst>
+  </p:timing>
 </p:sld>
 </file>
 
@@ -7234,6 +7276,13 @@
   <p:clrMapOvr>
     <a:masterClrMapping/>
   </p:clrMapOvr>
+  <p:timing>
+    <p:tnLst>
+      <p:par>
+        <p:cTn id="1" dur="indefinite" restart="never" nodeType="tmRoot"/>
+      </p:par>
+    </p:tnLst>
+  </p:timing>
 </p:sld>
 </file>
 
@@ -7304,7 +7353,15 @@
             </a:r>
             <a:r>
               <a:rPr lang="ru-RU" dirty="0" smtClean="0"/>
-              <a:t>-ближайших средних, классификация</a:t>
+              <a:t>-ближайших </a:t>
+            </a:r>
+            <a:r>
+              <a:rPr lang="ru-RU" dirty="0"/>
+              <a:t>соседей, </a:t>
+            </a:r>
+            <a:r>
+              <a:rPr lang="ru-RU" dirty="0" smtClean="0"/>
+              <a:t>классификация</a:t>
             </a:r>
           </a:p>
           <a:p>
@@ -7318,11 +7375,15 @@
             </a:r>
             <a:r>
               <a:rPr lang="ru-RU" dirty="0"/>
-              <a:t>-ближайших средних</a:t>
+              <a:t>-ближайших </a:t>
+            </a:r>
+            <a:r>
+              <a:rPr lang="ru-RU" dirty="0"/>
+              <a:t>соседей, </a:t>
             </a:r>
             <a:r>
               <a:rPr lang="ru-RU" dirty="0" smtClean="0"/>
-              <a:t>, регрессия</a:t>
+              <a:t>регрессия</a:t>
             </a:r>
           </a:p>
           <a:p>
@@ -7336,11 +7397,15 @@
             </a:r>
             <a:r>
               <a:rPr lang="ru-RU" dirty="0"/>
-              <a:t>-ближайших средних</a:t>
+              <a:t>-ближайших </a:t>
+            </a:r>
+            <a:r>
+              <a:rPr lang="ru-RU" dirty="0"/>
+              <a:t>соседей, </a:t>
             </a:r>
             <a:r>
               <a:rPr lang="ru-RU" dirty="0" smtClean="0"/>
-              <a:t>, проблемы и их решения</a:t>
+              <a:t>проблемы и их решения</a:t>
             </a:r>
           </a:p>
           <a:p>
@@ -7354,11 +7419,15 @@
             </a:r>
             <a:r>
               <a:rPr lang="ru-RU" dirty="0"/>
-              <a:t>-ближайших средних</a:t>
+              <a:t>-ближайших </a:t>
+            </a:r>
+            <a:r>
+              <a:rPr lang="ru-RU" dirty="0"/>
+              <a:t>соседей, </a:t>
             </a:r>
             <a:r>
               <a:rPr lang="ru-RU" dirty="0" smtClean="0"/>
-              <a:t>, преимущества</a:t>
+              <a:t>преимущества</a:t>
             </a:r>
           </a:p>
           <a:p>
@@ -7554,6 +7623,13 @@
   <p:clrMapOvr>
     <a:masterClrMapping/>
   </p:clrMapOvr>
+  <p:timing>
+    <p:tnLst>
+      <p:par>
+        <p:cTn id="1" dur="indefinite" restart="never" nodeType="tmRoot"/>
+      </p:par>
+    </p:tnLst>
+  </p:timing>
 </p:sld>
 </file>
 
@@ -7696,6 +7772,13 @@
   <p:clrMapOvr>
     <a:masterClrMapping/>
   </p:clrMapOvr>
+  <p:timing>
+    <p:tnLst>
+      <p:par>
+        <p:cTn id="1" dur="indefinite" restart="never" nodeType="tmRoot"/>
+      </p:par>
+    </p:tnLst>
+  </p:timing>
 </p:sld>
 </file>
 
@@ -7816,6 +7899,13 @@
   <p:clrMapOvr>
     <a:masterClrMapping/>
   </p:clrMapOvr>
+  <p:timing>
+    <p:tnLst>
+      <p:par>
+        <p:cTn id="1" dur="indefinite" restart="never" nodeType="tmRoot"/>
+      </p:par>
+    </p:tnLst>
+  </p:timing>
 </p:sld>
 </file>
 
@@ -7980,6 +8070,13 @@
   <p:clrMapOvr>
     <a:masterClrMapping/>
   </p:clrMapOvr>
+  <p:timing>
+    <p:tnLst>
+      <p:par>
+        <p:cTn id="1" dur="indefinite" restart="never" nodeType="tmRoot"/>
+      </p:par>
+    </p:tnLst>
+  </p:timing>
 </p:sld>
 </file>
 
@@ -8123,6 +8220,13 @@
   <p:clrMapOvr>
     <a:masterClrMapping/>
   </p:clrMapOvr>
+  <p:timing>
+    <p:tnLst>
+      <p:par>
+        <p:cTn id="1" dur="indefinite" restart="never" nodeType="tmRoot"/>
+      </p:par>
+    </p:tnLst>
+  </p:timing>
 </p:sld>
 </file>
 
@@ -8290,6 +8394,13 @@
   <p:clrMapOvr>
     <a:masterClrMapping/>
   </p:clrMapOvr>
+  <p:timing>
+    <p:tnLst>
+      <p:par>
+        <p:cTn id="1" dur="indefinite" restart="never" nodeType="tmRoot"/>
+      </p:par>
+    </p:tnLst>
+  </p:timing>
 </p:sld>
 </file>
 
@@ -8417,6 +8528,13 @@
   <p:clrMapOvr>
     <a:masterClrMapping/>
   </p:clrMapOvr>
+  <p:timing>
+    <p:tnLst>
+      <p:par>
+        <p:cTn id="1" dur="indefinite" restart="never" nodeType="tmRoot"/>
+      </p:par>
+    </p:tnLst>
+  </p:timing>
 </p:sld>
 </file>
 
@@ -9198,6 +9316,13 @@
   <p:clrMapOvr>
     <a:masterClrMapping/>
   </p:clrMapOvr>
+  <p:timing>
+    <p:tnLst>
+      <p:par>
+        <p:cTn id="1" dur="indefinite" restart="never" nodeType="tmRoot"/>
+      </p:par>
+    </p:tnLst>
+  </p:timing>
 </p:sld>
 </file>
 
@@ -9577,6 +9702,13 @@
   <p:clrMapOvr>
     <a:masterClrMapping/>
   </p:clrMapOvr>
+  <p:timing>
+    <p:tnLst>
+      <p:par>
+        <p:cTn id="1" dur="indefinite" restart="never" nodeType="tmRoot"/>
+      </p:par>
+    </p:tnLst>
+  </p:timing>
 </p:sld>
 </file>
 
@@ -9708,6 +9840,13 @@
   <p:clrMapOvr>
     <a:masterClrMapping/>
   </p:clrMapOvr>
+  <p:timing>
+    <p:tnLst>
+      <p:par>
+        <p:cTn id="1" dur="indefinite" restart="never" nodeType="tmRoot"/>
+      </p:par>
+    </p:tnLst>
+  </p:timing>
 </p:sld>
 </file>
 
@@ -10312,6 +10451,13 @@
   <p:clrMapOvr>
     <a:masterClrMapping/>
   </p:clrMapOvr>
+  <p:timing>
+    <p:tnLst>
+      <p:par>
+        <p:cTn id="1" dur="indefinite" restart="never" nodeType="tmRoot"/>
+      </p:par>
+    </p:tnLst>
+  </p:timing>
 </p:sld>
 </file>
 
@@ -11156,6 +11302,13 @@
   <p:clrMapOvr>
     <a:masterClrMapping/>
   </p:clrMapOvr>
+  <p:timing>
+    <p:tnLst>
+      <p:par>
+        <p:cTn id="1" dur="indefinite" restart="never" nodeType="tmRoot"/>
+      </p:par>
+    </p:tnLst>
+  </p:timing>
 </p:sld>
 </file>
 
@@ -11445,6 +11598,13 @@
   <p:clrMapOvr>
     <a:masterClrMapping/>
   </p:clrMapOvr>
+  <p:timing>
+    <p:tnLst>
+      <p:par>
+        <p:cTn id="1" dur="indefinite" restart="never" nodeType="tmRoot"/>
+      </p:par>
+    </p:tnLst>
+  </p:timing>
 </p:sld>
 </file>
 
@@ -11577,6 +11737,13 @@
   <p:clrMapOvr>
     <a:masterClrMapping/>
   </p:clrMapOvr>
+  <p:timing>
+    <p:tnLst>
+      <p:par>
+        <p:cTn id="1" dur="indefinite" restart="never" nodeType="tmRoot"/>
+      </p:par>
+    </p:tnLst>
+  </p:timing>
 </p:sld>
 </file>
 
@@ -11813,6 +11980,13 @@
   <p:clrMapOvr>
     <a:masterClrMapping/>
   </p:clrMapOvr>
+  <p:timing>
+    <p:tnLst>
+      <p:par>
+        <p:cTn id="1" dur="indefinite" restart="never" nodeType="tmRoot"/>
+      </p:par>
+    </p:tnLst>
+  </p:timing>
 </p:sld>
 </file>
 
@@ -12963,8 +13137,8 @@
           </a:p>
         </p:txBody>
       </p:sp>
-      <mc:AlternateContent xmlns:mc="http://schemas.openxmlformats.org/markup-compatibility/2006">
-        <mc:Choice xmlns:a14="http://schemas.microsoft.com/office/drawing/2010/main" Requires="a14">
+      <mc:AlternateContent xmlns:mc="http://schemas.openxmlformats.org/markup-compatibility/2006" xmlns:a14="http://schemas.microsoft.com/office/drawing/2010/main">
+        <mc:Choice Requires="a14">
           <p:sp>
             <p:nvSpPr>
               <p:cNvPr id="3" name="Объект 2"/>
@@ -13388,7 +13562,7 @@
             </p:txBody>
           </p:sp>
         </mc:Choice>
-        <mc:Fallback>
+        <mc:Fallback xmlns="">
           <p:sp>
             <p:nvSpPr>
               <p:cNvPr id="3" name="Объект 2"/>
@@ -13432,6 +13606,13 @@
   <p:clrMapOvr>
     <a:masterClrMapping/>
   </p:clrMapOvr>
+  <p:timing>
+    <p:tnLst>
+      <p:par>
+        <p:cTn id="1" dur="indefinite" restart="never" nodeType="tmRoot"/>
+      </p:par>
+    </p:tnLst>
+  </p:timing>
 </p:sld>
 </file>
 
@@ -13770,6 +13951,13 @@
   <p:clrMapOvr>
     <a:masterClrMapping/>
   </p:clrMapOvr>
+  <p:timing>
+    <p:tnLst>
+      <p:par>
+        <p:cTn id="1" dur="indefinite" restart="never" nodeType="tmRoot"/>
+      </p:par>
+    </p:tnLst>
+  </p:timing>
 </p:sld>
 </file>
 
@@ -15620,6 +15808,13 @@
   <p:clrMapOvr>
     <a:masterClrMapping/>
   </p:clrMapOvr>
+  <p:timing>
+    <p:tnLst>
+      <p:par>
+        <p:cTn id="1" dur="indefinite" restart="never" nodeType="tmRoot"/>
+      </p:par>
+    </p:tnLst>
+  </p:timing>
 </p:sld>
 </file>
 
@@ -16628,6 +16823,13 @@
   <p:clrMapOvr>
     <a:masterClrMapping/>
   </p:clrMapOvr>
+  <p:timing>
+    <p:tnLst>
+      <p:par>
+        <p:cTn id="1" dur="indefinite" restart="never" nodeType="tmRoot"/>
+      </p:par>
+    </p:tnLst>
+  </p:timing>
 </p:sld>
 </file>
 
@@ -16886,6 +17088,13 @@
   <p:clrMapOvr>
     <a:masterClrMapping/>
   </p:clrMapOvr>
+  <p:timing>
+    <p:tnLst>
+      <p:par>
+        <p:cTn id="1" dur="indefinite" restart="never" nodeType="tmRoot"/>
+      </p:par>
+    </p:tnLst>
+  </p:timing>
 </p:sld>
 </file>
 
@@ -17689,6 +17898,13 @@
   <p:clrMapOvr>
     <a:masterClrMapping/>
   </p:clrMapOvr>
+  <p:timing>
+    <p:tnLst>
+      <p:par>
+        <p:cTn id="1" dur="indefinite" restart="never" nodeType="tmRoot"/>
+      </p:par>
+    </p:tnLst>
+  </p:timing>
 </p:sld>
 </file>
 
@@ -18158,6 +18374,13 @@
   <p:clrMapOvr>
     <a:masterClrMapping/>
   </p:clrMapOvr>
+  <p:timing>
+    <p:tnLst>
+      <p:par>
+        <p:cTn id="1" dur="indefinite" restart="never" nodeType="tmRoot"/>
+      </p:par>
+    </p:tnLst>
+  </p:timing>
 </p:sld>
 </file>
 
